--- a/RoverNASA2020/InterfaceImages.pptx
+++ b/RoverNASA2020/InterfaceImages.pptx
@@ -261,7 +261,7 @@
           <a:p>
             <a:fld id="{0CE6E595-8718-4B1D-A4EF-DFD010D1AE96}" type="datetimeFigureOut">
               <a:rPr lang="es-MX" smtClean="0"/>
-              <a:t>18/12/2019</a:t>
+              <a:t>14/03/2020</a:t>
             </a:fld>
             <a:endParaRPr lang="es-MX"/>
           </a:p>
@@ -461,7 +461,7 @@
           <a:p>
             <a:fld id="{0CE6E595-8718-4B1D-A4EF-DFD010D1AE96}" type="datetimeFigureOut">
               <a:rPr lang="es-MX" smtClean="0"/>
-              <a:t>18/12/2019</a:t>
+              <a:t>14/03/2020</a:t>
             </a:fld>
             <a:endParaRPr lang="es-MX"/>
           </a:p>
@@ -671,7 +671,7 @@
           <a:p>
             <a:fld id="{0CE6E595-8718-4B1D-A4EF-DFD010D1AE96}" type="datetimeFigureOut">
               <a:rPr lang="es-MX" smtClean="0"/>
-              <a:t>18/12/2019</a:t>
+              <a:t>14/03/2020</a:t>
             </a:fld>
             <a:endParaRPr lang="es-MX"/>
           </a:p>
@@ -871,7 +871,7 @@
           <a:p>
             <a:fld id="{0CE6E595-8718-4B1D-A4EF-DFD010D1AE96}" type="datetimeFigureOut">
               <a:rPr lang="es-MX" smtClean="0"/>
-              <a:t>18/12/2019</a:t>
+              <a:t>14/03/2020</a:t>
             </a:fld>
             <a:endParaRPr lang="es-MX"/>
           </a:p>
@@ -1147,7 +1147,7 @@
           <a:p>
             <a:fld id="{0CE6E595-8718-4B1D-A4EF-DFD010D1AE96}" type="datetimeFigureOut">
               <a:rPr lang="es-MX" smtClean="0"/>
-              <a:t>18/12/2019</a:t>
+              <a:t>14/03/2020</a:t>
             </a:fld>
             <a:endParaRPr lang="es-MX"/>
           </a:p>
@@ -1415,7 +1415,7 @@
           <a:p>
             <a:fld id="{0CE6E595-8718-4B1D-A4EF-DFD010D1AE96}" type="datetimeFigureOut">
               <a:rPr lang="es-MX" smtClean="0"/>
-              <a:t>18/12/2019</a:t>
+              <a:t>14/03/2020</a:t>
             </a:fld>
             <a:endParaRPr lang="es-MX"/>
           </a:p>
@@ -1830,7 +1830,7 @@
           <a:p>
             <a:fld id="{0CE6E595-8718-4B1D-A4EF-DFD010D1AE96}" type="datetimeFigureOut">
               <a:rPr lang="es-MX" smtClean="0"/>
-              <a:t>18/12/2019</a:t>
+              <a:t>14/03/2020</a:t>
             </a:fld>
             <a:endParaRPr lang="es-MX"/>
           </a:p>
@@ -1972,7 +1972,7 @@
           <a:p>
             <a:fld id="{0CE6E595-8718-4B1D-A4EF-DFD010D1AE96}" type="datetimeFigureOut">
               <a:rPr lang="es-MX" smtClean="0"/>
-              <a:t>18/12/2019</a:t>
+              <a:t>14/03/2020</a:t>
             </a:fld>
             <a:endParaRPr lang="es-MX"/>
           </a:p>
@@ -2085,7 +2085,7 @@
           <a:p>
             <a:fld id="{0CE6E595-8718-4B1D-A4EF-DFD010D1AE96}" type="datetimeFigureOut">
               <a:rPr lang="es-MX" smtClean="0"/>
-              <a:t>18/12/2019</a:t>
+              <a:t>14/03/2020</a:t>
             </a:fld>
             <a:endParaRPr lang="es-MX"/>
           </a:p>
@@ -2398,7 +2398,7 @@
           <a:p>
             <a:fld id="{0CE6E595-8718-4B1D-A4EF-DFD010D1AE96}" type="datetimeFigureOut">
               <a:rPr lang="es-MX" smtClean="0"/>
-              <a:t>18/12/2019</a:t>
+              <a:t>14/03/2020</a:t>
             </a:fld>
             <a:endParaRPr lang="es-MX"/>
           </a:p>
@@ -2687,7 +2687,7 @@
           <a:p>
             <a:fld id="{0CE6E595-8718-4B1D-A4EF-DFD010D1AE96}" type="datetimeFigureOut">
               <a:rPr lang="es-MX" smtClean="0"/>
-              <a:t>18/12/2019</a:t>
+              <a:t>14/03/2020</a:t>
             </a:fld>
             <a:endParaRPr lang="es-MX"/>
           </a:p>
@@ -2930,7 +2930,7 @@
           <a:p>
             <a:fld id="{0CE6E595-8718-4B1D-A4EF-DFD010D1AE96}" type="datetimeFigureOut">
               <a:rPr lang="es-MX" smtClean="0"/>
-              <a:t>18/12/2019</a:t>
+              <a:t>14/03/2020</a:t>
             </a:fld>
             <a:endParaRPr lang="es-MX"/>
           </a:p>
@@ -3714,6 +3714,65 @@
           </p:style>
         </p:cxnSp>
       </p:grpSp>
+      <p:pic>
+        <p:nvPicPr>
+          <p:cNvPr id="1026" name="Picture 2" descr="Resultado de imagen para onomatopeya ouch">
+            <a:extLst>
+              <a:ext uri="{FF2B5EF4-FFF2-40B4-BE49-F238E27FC236}">
+                <a16:creationId xmlns:a16="http://schemas.microsoft.com/office/drawing/2014/main" id="{4846571E-BD74-4BAC-BB89-5F2783850F41}"/>
+              </a:ext>
+            </a:extLst>
+          </p:cNvPr>
+          <p:cNvPicPr>
+            <a:picLocks noChangeAspect="1" noChangeArrowheads="1"/>
+          </p:cNvPicPr>
+          <p:nvPr/>
+        </p:nvPicPr>
+        <p:blipFill rotWithShape="1">
+          <a:blip r:embed="rId8">
+            <a:extLst>
+              <a:ext uri="{BEBA8EAE-BF5A-486C-A8C5-ECC9F3942E4B}">
+                <a14:imgProps xmlns:a14="http://schemas.microsoft.com/office/drawing/2010/main">
+                  <a14:imgLayer r:embed="rId9">
+                    <a14:imgEffect>
+                      <a14:backgroundRemoval t="10000" b="90000" l="10000" r="90000">
+                        <a14:foregroundMark x1="64111" y1="24130" x2="56556" y2="28478"/>
+                        <a14:foregroundMark x1="49333" y1="33913" x2="45222" y2="39348"/>
+                        <a14:foregroundMark x1="54667" y1="56957" x2="68556" y2="59130"/>
+                        <a14:foregroundMark x1="49444" y1="45652" x2="70000" y2="38696"/>
+                      </a14:backgroundRemoval>
+                    </a14:imgEffect>
+                  </a14:imgLayer>
+                </a14:imgProps>
+              </a:ext>
+              <a:ext uri="{28A0092B-C50C-407E-A947-70E740481C1C}">
+                <a14:useLocalDpi xmlns:a14="http://schemas.microsoft.com/office/drawing/2010/main" val="0"/>
+              </a:ext>
+            </a:extLst>
+          </a:blip>
+          <a:srcRect l="43326" t="10492" r="13835" b="30546"/>
+          <a:stretch/>
+        </p:blipFill>
+        <p:spPr bwMode="auto">
+          <a:xfrm>
+            <a:off x="4882718" y="3485550"/>
+            <a:ext cx="3672397" cy="2583403"/>
+          </a:xfrm>
+          <a:prstGeom prst="rect">
+            <a:avLst/>
+          </a:prstGeom>
+          <a:noFill/>
+          <a:extLst>
+            <a:ext uri="{909E8E84-426E-40DD-AFC4-6F175D3DCCD1}">
+              <a14:hiddenFill xmlns:a14="http://schemas.microsoft.com/office/drawing/2010/main">
+                <a:solidFill>
+                  <a:srgbClr val="FFFFFF"/>
+                </a:solidFill>
+              </a14:hiddenFill>
+            </a:ext>
+          </a:extLst>
+        </p:spPr>
+      </p:pic>
     </p:spTree>
     <p:extLst>
       <p:ext uri="{BB962C8B-B14F-4D97-AF65-F5344CB8AC3E}">
